--- a/건축설계2/4주차 (화)/발표자료.pptx
+++ b/건축설계2/4주차 (화)/발표자료.pptx
@@ -2,13 +2,14 @@
 <file path=ppt/presentation.xml><?xml version="1.0" encoding="utf-8"?>
 <p:presentation xmlns:r="http://schemas.openxmlformats.org/officeDocument/2006/relationships" xmlns:c="http://schemas.openxmlformats.org/drawingml/2006/chart" xmlns:a="http://schemas.openxmlformats.org/drawingml/2006/main" xmlns:dgm="http://schemas.openxmlformats.org/drawingml/2006/diagram" xmlns:dsp="http://schemas.microsoft.com/office/drawing/2008/diagram" xmlns:p="http://schemas.openxmlformats.org/presentationml/2006/main">
   <p:sldMasterIdLst>
-    <p:sldMasterId id="2147483718" r:id="rId1"/>
+    <p:sldMasterId id="2147483725" r:id="rId1"/>
   </p:sldMasterIdLst>
   <p:sldIdLst>
     <p:sldId id="256" r:id="rId2"/>
     <p:sldId id="257" r:id="rId3"/>
     <p:sldId id="258" r:id="rId4"/>
-    <p:sldId id="259" r:id="rId5"/>
+    <p:sldId id="260" r:id="rId5"/>
+    <p:sldId id="259" r:id="rId6"/>
   </p:sldIdLst>
   <p:sldSz cx="12192000" cy="6858000"/>
   <p:notesSz cx="6858000" cy="9144000"/>
@@ -3308,141 +3309,144 @@
         </p:nvSpPr>
         <p:spPr>
           <a:xfrm>
-            <a:off x="4151854" y="672571"/>
-            <a:ext cx="3888292" cy="601874"/>
+            <a:off x="119895" y="672571"/>
+            <a:ext cx="12192000" cy="820949"/>
           </a:xfrm>
           <a:prstGeom prst="rect">
             <a:avLst/>
           </a:prstGeom>
         </p:spPr>
         <p:txBody>
-          <a:bodyPr wrap="square">
+          <a:bodyPr vert="horz" wrap="square" lIns="91440" tIns="45720" rIns="91440" bIns="45720" anchor="t">
             <a:spAutoFit/>
           </a:bodyPr>
           <a:lstStyle/>
           <a:p>
             <a:pPr algn="ctr">
+              <a:lnSpc>
+                <a:spcPct val="120000"/>
+              </a:lnSpc>
+              <a:spcBef>
+                <a:spcPts val="0"/>
+              </a:spcBef>
               <a:defRPr/>
             </a:pPr>
             <a:r>
-              <a:rPr lang="ko-KR" altLang="en-US" sz="1700" b="1">
+              <a:rPr lang="ko-KR" altLang="en-US" sz="2000" b="1">
+                <a:solidFill>
+                  <a:schemeClr val="tx1"/>
+                </a:solidFill>
                 <a:effectLst/>
               </a:rPr>
-              <a:t>정육면체 큐브를 랜덤바게 분할</a:t>
-            </a:r>
-            <a:endParaRPr lang="ko-KR" altLang="en-US" sz="1700" b="1">
+              <a:t>정육면체 큐브를 랜덤하게 분할</a:t>
+            </a:r>
+            <a:endParaRPr lang="ko-KR" altLang="en-US" sz="2000" b="1">
+              <a:solidFill>
+                <a:schemeClr val="tx1"/>
+              </a:solidFill>
               <a:effectLst/>
             </a:endParaRPr>
           </a:p>
           <a:p>
             <a:pPr algn="ctr">
+              <a:lnSpc>
+                <a:spcPct val="120000"/>
+              </a:lnSpc>
+              <a:spcBef>
+                <a:spcPts val="0"/>
+              </a:spcBef>
               <a:defRPr/>
             </a:pPr>
             <a:r>
-              <a:rPr lang="ko-KR" altLang="en-US" sz="1700" b="1">
+              <a:rPr lang="ko-KR" altLang="en-US" sz="2000" b="1">
+                <a:solidFill>
+                  <a:schemeClr val="tx1"/>
+                </a:solidFill>
                 <a:effectLst/>
               </a:rPr>
               <a:t>해체하여 인위적인 틈을 통해 표현</a:t>
             </a:r>
-            <a:endParaRPr lang="ko-KR" altLang="en-US" sz="1700" b="1">
+            <a:endParaRPr lang="ko-KR" altLang="en-US" sz="2000" b="1">
+              <a:solidFill>
+                <a:schemeClr val="tx1"/>
+              </a:solidFill>
               <a:effectLst/>
             </a:endParaRPr>
           </a:p>
         </p:txBody>
       </p:sp>
-      <p:sp>
-        <p:nvSpPr>
-          <p:cNvPr id="7" name=""/>
-          <p:cNvSpPr txBox="1"/>
+      <p:pic>
+        <p:nvPicPr>
+          <p:cNvPr id="10" name=""/>
+          <p:cNvPicPr>
+            <a:picLocks noChangeAspect="1"/>
+          </p:cNvPicPr>
           <p:nvPr/>
-        </p:nvSpPr>
+        </p:nvPicPr>
+        <p:blipFill rotWithShape="1">
+          <a:blip r:embed="rId2"/>
+          <a:stretch>
+            <a:fillRect/>
+          </a:stretch>
+        </p:blipFill>
         <p:spPr>
           <a:xfrm>
-            <a:off x="1201581" y="3659298"/>
-            <a:ext cx="1186144" cy="363981"/>
+            <a:off x="618014" y="2200301"/>
+            <a:ext cx="3472219" cy="3253687"/>
           </a:xfrm>
           <a:prstGeom prst="rect">
             <a:avLst/>
           </a:prstGeom>
         </p:spPr>
-        <p:txBody>
-          <a:bodyPr wrap="none">
-            <a:spAutoFit/>
-          </a:bodyPr>
-          <a:p>
-            <a:pPr>
-              <a:defRPr/>
-            </a:pPr>
-            <a:r>
-              <a:rPr lang="ko-KR" altLang="en-US"/>
-              <a:t>그냥 큐브</a:t>
-            </a:r>
-            <a:endParaRPr lang="ko-KR" altLang="en-US"/>
-          </a:p>
-        </p:txBody>
-      </p:sp>
-      <p:sp>
-        <p:nvSpPr>
-          <p:cNvPr id="8" name=""/>
-          <p:cNvSpPr txBox="1"/>
+      </p:pic>
+      <p:pic>
+        <p:nvPicPr>
+          <p:cNvPr id="11" name=""/>
+          <p:cNvPicPr>
+            <a:picLocks noChangeAspect="1"/>
+          </p:cNvPicPr>
           <p:nvPr/>
-        </p:nvSpPr>
+        </p:nvPicPr>
+        <p:blipFill rotWithShape="1">
+          <a:blip r:embed="rId3"/>
+          <a:stretch>
+            <a:fillRect/>
+          </a:stretch>
+        </p:blipFill>
         <p:spPr>
           <a:xfrm>
-            <a:off x="5502928" y="3659298"/>
-            <a:ext cx="1417937" cy="363981"/>
+            <a:off x="4576062" y="2200301"/>
+            <a:ext cx="3279665" cy="3253688"/>
           </a:xfrm>
           <a:prstGeom prst="rect">
             <a:avLst/>
           </a:prstGeom>
         </p:spPr>
-        <p:txBody>
-          <a:bodyPr wrap="none">
-            <a:spAutoFit/>
-          </a:bodyPr>
-          <a:p>
-            <a:pPr>
-              <a:defRPr/>
-            </a:pPr>
-            <a:r>
-              <a:rPr lang="ko-KR" altLang="en-US"/>
-              <a:t>분할한 큐브</a:t>
-            </a:r>
-            <a:endParaRPr lang="ko-KR" altLang="en-US"/>
-          </a:p>
-        </p:txBody>
-      </p:sp>
-      <p:sp>
-        <p:nvSpPr>
-          <p:cNvPr id="9" name=""/>
-          <p:cNvSpPr txBox="1"/>
+      </p:pic>
+      <p:pic>
+        <p:nvPicPr>
+          <p:cNvPr id="12" name=""/>
+          <p:cNvPicPr>
+            <a:picLocks noChangeAspect="1"/>
+          </p:cNvPicPr>
           <p:nvPr/>
-        </p:nvSpPr>
+        </p:nvPicPr>
+        <p:blipFill rotWithShape="1">
+          <a:blip r:embed="rId4"/>
+          <a:stretch>
+            <a:fillRect/>
+          </a:stretch>
+        </p:blipFill>
         <p:spPr>
           <a:xfrm>
-            <a:off x="9268211" y="3659298"/>
-            <a:ext cx="1415029" cy="363981"/>
+            <a:off x="8340845" y="2200301"/>
+            <a:ext cx="3189830" cy="3253687"/>
           </a:xfrm>
           <a:prstGeom prst="rect">
             <a:avLst/>
           </a:prstGeom>
         </p:spPr>
-        <p:txBody>
-          <a:bodyPr wrap="none">
-            <a:spAutoFit/>
-          </a:bodyPr>
-          <a:p>
-            <a:pPr>
-              <a:defRPr/>
-            </a:pPr>
-            <a:r>
-              <a:rPr lang="ko-KR" altLang="en-US"/>
-              <a:t>해체한 큐브</a:t>
-            </a:r>
-            <a:endParaRPr lang="ko-KR" altLang="en-US"/>
-          </a:p>
-        </p:txBody>
-      </p:sp>
+      </p:pic>
     </p:spTree>
   </p:cSld>
   <p:clrMapOvr>
@@ -3476,46 +3480,54 @@
           <a:chExt cx="0" cy="0"/>
         </a:xfrm>
       </p:grpSpPr>
-      <p:sp>
-        <p:nvSpPr>
-          <p:cNvPr id="10" name=""/>
-          <p:cNvSpPr txBox="1"/>
+      <p:pic>
+        <p:nvPicPr>
+          <p:cNvPr id="11" name=""/>
+          <p:cNvPicPr>
+            <a:picLocks noChangeAspect="1"/>
+          </p:cNvPicPr>
           <p:nvPr/>
-        </p:nvSpPr>
+        </p:nvPicPr>
+        <p:blipFill rotWithShape="1">
+          <a:blip r:embed="rId2"/>
+          <a:stretch>
+            <a:fillRect/>
+          </a:stretch>
+        </p:blipFill>
         <p:spPr>
           <a:xfrm>
-            <a:off x="2676734" y="3006410"/>
-            <a:ext cx="4301281" cy="363981"/>
+            <a:off x="751119" y="1512053"/>
+            <a:ext cx="5414378" cy="3833892"/>
           </a:xfrm>
           <a:prstGeom prst="rect">
             <a:avLst/>
           </a:prstGeom>
         </p:spPr>
-        <p:txBody>
-          <a:bodyPr wrap="none">
-            <a:spAutoFit/>
-          </a:bodyPr>
-          <a:lstStyle/>
-          <a:p>
-            <a:pPr>
-              <a:defRPr/>
-            </a:pPr>
-            <a:r>
-              <a:rPr lang="ko-KR" altLang="en-US"/>
-              <a:t>해체한 큐브 라이트 키고 캡쳐한 사진 </a:t>
-            </a:r>
-            <a:r>
-              <a:rPr lang="en-US" altLang="ko-KR"/>
-              <a:t>2</a:t>
-            </a:r>
-            <a:r>
-              <a:rPr lang="ko-KR" altLang="en-US"/>
-              <a:t>개</a:t>
-            </a:r>
-            <a:endParaRPr lang="ko-KR" altLang="en-US"/>
-          </a:p>
-        </p:txBody>
-      </p:sp>
+      </p:pic>
+      <p:pic>
+        <p:nvPicPr>
+          <p:cNvPr id="12" name=""/>
+          <p:cNvPicPr>
+            <a:picLocks noChangeAspect="1"/>
+          </p:cNvPicPr>
+          <p:nvPr/>
+        </p:nvPicPr>
+        <p:blipFill rotWithShape="1">
+          <a:blip r:embed="rId3"/>
+          <a:stretch>
+            <a:fillRect/>
+          </a:stretch>
+        </p:blipFill>
+        <p:spPr>
+          <a:xfrm>
+            <a:off x="6703207" y="1512053"/>
+            <a:ext cx="4580517" cy="3833892"/>
+          </a:xfrm>
+          <a:prstGeom prst="rect">
+            <a:avLst/>
+          </a:prstGeom>
+        </p:spPr>
+      </p:pic>
     </p:spTree>
   </p:cSld>
   <p:clrMapOvr>
@@ -3549,38 +3561,111 @@
           <a:chExt cx="0" cy="0"/>
         </a:xfrm>
       </p:grpSpPr>
-      <p:sp>
-        <p:nvSpPr>
-          <p:cNvPr id="10" name=""/>
-          <p:cNvSpPr txBox="1"/>
+      <p:pic>
+        <p:nvPicPr>
+          <p:cNvPr id="13" name=""/>
+          <p:cNvPicPr>
+            <a:picLocks noChangeAspect="1"/>
+          </p:cNvPicPr>
           <p:nvPr/>
-        </p:nvSpPr>
+        </p:nvPicPr>
+        <p:blipFill rotWithShape="1">
+          <a:blip r:embed="rId2"/>
+          <a:stretch>
+            <a:fillRect/>
+          </a:stretch>
+        </p:blipFill>
         <p:spPr>
           <a:xfrm>
-            <a:off x="2676734" y="3006410"/>
-            <a:ext cx="3625006" cy="363981"/>
+            <a:off x="914948" y="1197986"/>
+            <a:ext cx="4713710" cy="4462028"/>
           </a:xfrm>
           <a:prstGeom prst="rect">
             <a:avLst/>
           </a:prstGeom>
         </p:spPr>
-        <p:txBody>
-          <a:bodyPr wrap="none">
-            <a:spAutoFit/>
-          </a:bodyPr>
-          <a:lstStyle/>
-          <a:p>
-            <a:pPr>
-              <a:defRPr/>
-            </a:pPr>
-            <a:r>
-              <a:rPr lang="ko-KR" altLang="en-US"/>
-              <a:t>마지막으로 살아남은 그 친구 사진</a:t>
-            </a:r>
-            <a:endParaRPr lang="ko-KR" altLang="en-US"/>
-          </a:p>
-        </p:txBody>
-      </p:sp>
+      </p:pic>
+      <p:pic>
+        <p:nvPicPr>
+          <p:cNvPr id="14" name=""/>
+          <p:cNvPicPr>
+            <a:picLocks noChangeAspect="1"/>
+          </p:cNvPicPr>
+          <p:nvPr/>
+        </p:nvPicPr>
+        <p:blipFill rotWithShape="1">
+          <a:blip r:embed="rId3"/>
+          <a:stretch>
+            <a:fillRect/>
+          </a:stretch>
+        </p:blipFill>
+        <p:spPr>
+          <a:xfrm>
+            <a:off x="6437280" y="1197985"/>
+            <a:ext cx="4646111" cy="4462028"/>
+          </a:xfrm>
+          <a:prstGeom prst="rect">
+            <a:avLst/>
+          </a:prstGeom>
+        </p:spPr>
+      </p:pic>
+    </p:spTree>
+  </p:cSld>
+  <p:clrMapOvr>
+    <a:masterClrMapping/>
+  </p:clrMapOvr>
+  <mc:AlternateContent xmlns:mc="http://schemas.openxmlformats.org/markup-compatibility/2006">
+    <mc:Choice xmlns:p14="http://schemas.microsoft.com/office/powerpoint/2010/main" Requires="p14">
+      <p:transition xmlns:mc="http://schemas.openxmlformats.org/markup-compatibility/2006" xmlns:p14="http://schemas.microsoft.com/office/powerpoint/2010/main" mc:Ignorable="p14" p14:dur="500"/>
+    </mc:Choice>
+    <mc:Fallback>
+      <p:transition/>
+    </mc:Fallback>
+  </mc:AlternateContent>
+</p:sld>
+</file>
+
+<file path=ppt/slides/slide5.xml><?xml version="1.0" encoding="utf-8"?>
+<p:sld xmlns:r="http://schemas.openxmlformats.org/officeDocument/2006/relationships" xmlns:c="http://schemas.openxmlformats.org/drawingml/2006/chart" xmlns:a="http://schemas.openxmlformats.org/drawingml/2006/main" xmlns:dgm="http://schemas.openxmlformats.org/drawingml/2006/diagram" xmlns:dsp="http://schemas.microsoft.com/office/drawing/2008/diagram" xmlns:p="http://schemas.openxmlformats.org/presentationml/2006/main">
+  <p:cSld>
+    <p:spTree>
+      <p:nvGrpSpPr>
+        <p:cNvPr id="1" name=""/>
+        <p:cNvGrpSpPr/>
+        <p:nvPr/>
+      </p:nvGrpSpPr>
+      <p:grpSpPr>
+        <a:xfrm>
+          <a:off x="0" y="0"/>
+          <a:ext cx="0" cy="0"/>
+          <a:chOff x="0" y="0"/>
+          <a:chExt cx="0" cy="0"/>
+        </a:xfrm>
+      </p:grpSpPr>
+      <p:pic>
+        <p:nvPicPr>
+          <p:cNvPr id="11" name=""/>
+          <p:cNvPicPr>
+            <a:picLocks noChangeAspect="1"/>
+          </p:cNvPicPr>
+          <p:nvPr/>
+        </p:nvPicPr>
+        <p:blipFill rotWithShape="1">
+          <a:blip r:embed="rId2"/>
+          <a:stretch>
+            <a:fillRect/>
+          </a:stretch>
+        </p:blipFill>
+        <p:spPr>
+          <a:xfrm>
+            <a:off x="1758945" y="0"/>
+            <a:ext cx="8674110" cy="6858000"/>
+          </a:xfrm>
+          <a:prstGeom prst="rect">
+            <a:avLst/>
+          </a:prstGeom>
+        </p:spPr>
+      </p:pic>
     </p:spTree>
   </p:cSld>
   <p:clrMapOvr>
